--- a/ROP_presentation.pptx
+++ b/ROP_presentation.pptx
@@ -6991,11 +6991,7 @@
           <a:p>
             <a:r>
               <a:rPr lang="en-US" dirty="0" smtClean="0"/>
-              <a:t>Portable Continuous Address </a:t>
-            </a:r>
-            <a:r>
-              <a:rPr lang="en-US" dirty="0" smtClean="0"/>
-              <a:t>Shuffler and Popcorn Kernel</a:t>
+              <a:t>Portable Continuous Address Shuffler and Popcorn Kernel</a:t>
             </a:r>
             <a:endParaRPr lang="en-US" dirty="0"/>
           </a:p>
@@ -7101,32 +7097,16 @@
           <a:p>
             <a:r>
               <a:rPr lang="en-US" dirty="0" smtClean="0"/>
-              <a:t>Common code injection attacks are becoming obsolete as they are </a:t>
-            </a:r>
+              <a:t>Common code injection attacks are becoming obsolete as they are getting more difficult to carryout</a:t>
+            </a:r>
+          </a:p>
+          <a:p>
+            <a:endParaRPr lang="en-US" dirty="0" smtClean="0"/>
+          </a:p>
+          <a:p>
             <a:r>
               <a:rPr lang="en-US" dirty="0" smtClean="0"/>
-              <a:t>getting more difficult to </a:t>
-            </a:r>
-            <a:r>
-              <a:rPr lang="en-US" dirty="0" smtClean="0"/>
-              <a:t>carryout</a:t>
-            </a:r>
-          </a:p>
-          <a:p>
-            <a:endParaRPr lang="en-US" dirty="0" smtClean="0"/>
-          </a:p>
-          <a:p>
-            <a:r>
-              <a:rPr lang="en-US" dirty="0" smtClean="0"/>
-              <a:t>Programs </a:t>
-            </a:r>
-            <a:r>
-              <a:rPr lang="en-US" dirty="0" smtClean="0"/>
-              <a:t>today remain vulnerable to code reuse attacks (ROP</a:t>
-            </a:r>
-            <a:r>
-              <a:rPr lang="en-US" dirty="0" smtClean="0"/>
-              <a:t>)</a:t>
+              <a:t>Programs today remain vulnerable to code reuse attacks (ROP)</a:t>
             </a:r>
           </a:p>
         </p:txBody>
@@ -7208,11 +7188,7 @@
           <a:p>
             <a:r>
               <a:rPr lang="en-US" dirty="0" smtClean="0"/>
-              <a:t>What is it</a:t>
-            </a:r>
-            <a:r>
-              <a:rPr lang="en-US" dirty="0" smtClean="0"/>
-              <a:t>?</a:t>
+              <a:t>What is it?</a:t>
             </a:r>
           </a:p>
           <a:p>
@@ -7248,20 +7224,11 @@
               <a:rPr lang="en-US" dirty="0" smtClean="0"/>
               <a:t>Constructs needed functionality using “gadgets”</a:t>
             </a:r>
-            <a:endParaRPr lang="en-US" dirty="0" smtClean="0"/>
           </a:p>
           <a:p>
             <a:r>
               <a:rPr lang="en-US" dirty="0" smtClean="0"/>
-              <a:t>Just-in-time </a:t>
-            </a:r>
-            <a:r>
-              <a:rPr lang="en-US" dirty="0" smtClean="0"/>
-              <a:t>(JIT) </a:t>
-            </a:r>
-            <a:r>
-              <a:rPr lang="en-US" dirty="0" smtClean="0"/>
-              <a:t>ROP</a:t>
+              <a:t>Just-in-time (JIT) ROP</a:t>
             </a:r>
           </a:p>
           <a:p>
@@ -7284,7 +7251,6 @@
               <a:rPr lang="en-US" dirty="0" smtClean="0"/>
               <a:t>Gets it’s name from being able to execute quickly within a time limit</a:t>
             </a:r>
-            <a:endParaRPr lang="en-US" dirty="0" smtClean="0"/>
           </a:p>
         </p:txBody>
       </p:sp>
@@ -7432,7 +7398,6 @@
               <a:rPr lang="en-US" dirty="0" smtClean="0"/>
               <a:t>Can be easily scaled up or down</a:t>
             </a:r>
-            <a:endParaRPr lang="en-US" dirty="0" smtClean="0"/>
           </a:p>
         </p:txBody>
       </p:sp>
@@ -7694,7 +7659,19 @@
             <a:pPr lvl="1"/>
             <a:r>
               <a:rPr lang="en-US" dirty="0" smtClean="0"/>
-              <a:t>Heavy weight - Only work with super computers with (12 cores) with 24 worker processes</a:t>
+              <a:t>Heavy weight - Only work with super computers with (12 </a:t>
+            </a:r>
+            <a:r>
+              <a:rPr lang="en-US" dirty="0" smtClean="0"/>
+              <a:t>cores and 24 </a:t>
+            </a:r>
+            <a:r>
+              <a:rPr lang="en-US" dirty="0" smtClean="0"/>
+              <a:t>worker </a:t>
+            </a:r>
+            <a:r>
+              <a:rPr lang="en-US" dirty="0" smtClean="0"/>
+              <a:t>processes)</a:t>
             </a:r>
             <a:endParaRPr lang="en-US" dirty="0" smtClean="0"/>
           </a:p>
@@ -7754,11 +7731,7 @@
           <a:p>
             <a:r>
               <a:rPr lang="en-US" dirty="0" smtClean="0"/>
-              <a:t>Portable Continuous Address </a:t>
-            </a:r>
-            <a:r>
-              <a:rPr lang="en-US" dirty="0" smtClean="0"/>
-              <a:t>Shuffler</a:t>
+              <a:t>Portable Continuous Address Shuffler</a:t>
             </a:r>
             <a:endParaRPr lang="en-US" dirty="0"/>
           </a:p>
@@ -7796,11 +7769,7 @@
             <a:pPr lvl="1"/>
             <a:r>
               <a:rPr lang="en-US" dirty="0" smtClean="0"/>
-              <a:t>15% overhead on SPEC </a:t>
-            </a:r>
-            <a:r>
-              <a:rPr lang="en-US" dirty="0" smtClean="0"/>
-              <a:t>CPU</a:t>
+              <a:t>15% overhead on SPEC CPU</a:t>
             </a:r>
           </a:p>
           <a:p>
@@ -7808,7 +7777,6 @@
               <a:rPr lang="en-US" dirty="0" smtClean="0"/>
               <a:t>Work seamlessly across different hardware with different architectures</a:t>
             </a:r>
-            <a:endParaRPr lang="en-US" dirty="0" smtClean="0"/>
           </a:p>
           <a:p>
             <a:pPr marL="457200" lvl="1" indent="0">
@@ -7819,23 +7787,7 @@
           <a:p>
             <a:r>
               <a:rPr lang="en-US" dirty="0" smtClean="0"/>
-              <a:t>Only </a:t>
-            </a:r>
-            <a:r>
-              <a:rPr lang="en-US" dirty="0" smtClean="0"/>
-              <a:t>shuffle </a:t>
-            </a:r>
-            <a:r>
-              <a:rPr lang="en-US" dirty="0" smtClean="0"/>
-              <a:t>chunks of addresses at </a:t>
-            </a:r>
-            <a:r>
-              <a:rPr lang="en-US" dirty="0" smtClean="0"/>
-              <a:t>a </a:t>
-            </a:r>
-            <a:r>
-              <a:rPr lang="en-US" dirty="0" smtClean="0"/>
-              <a:t>time</a:t>
+              <a:t>Only shuffle chunks of addresses at a time</a:t>
             </a:r>
           </a:p>
           <a:p>
@@ -7967,15 +7919,7 @@
             <a:pPr lvl="2"/>
             <a:r>
               <a:rPr lang="en-US" dirty="0" smtClean="0"/>
-              <a:t>Ways </a:t>
-            </a:r>
-            <a:r>
-              <a:rPr lang="en-US" dirty="0" smtClean="0"/>
-              <a:t>to optimize compute </a:t>
-            </a:r>
-            <a:r>
-              <a:rPr lang="en-US" dirty="0" smtClean="0"/>
-              <a:t>time</a:t>
+              <a:t>Ways to optimize compute time</a:t>
             </a:r>
           </a:p>
           <a:p>
@@ -8011,7 +7955,6 @@
               <a:rPr lang="en-US" dirty="0" smtClean="0"/>
               <a:t>Work on the Proof-of-Concept</a:t>
             </a:r>
-            <a:endParaRPr lang="en-US" dirty="0" smtClean="0"/>
           </a:p>
         </p:txBody>
       </p:sp>
@@ -8288,7 +8231,6 @@
               <a:rPr lang="en-US" dirty="0" smtClean="0"/>
               <a:t>TBA</a:t>
             </a:r>
-            <a:endParaRPr lang="en-US" dirty="0" smtClean="0"/>
           </a:p>
         </p:txBody>
       </p:sp>
